--- a/Hacedor ppt/plantilla python.pptx
+++ b/Hacedor ppt/plantilla python.pptx
@@ -5,16 +5,11 @@
     <p:sldMasterId id="2147483648" r:id="rId1"/>
   </p:sldMasterIdLst>
   <p:notesMasterIdLst>
-    <p:notesMasterId r:id="rId5"/>
+    <p:notesMasterId r:id="rId2"/>
   </p:notesMasterIdLst>
   <p:handoutMasterIdLst>
-    <p:handoutMasterId r:id="rId6"/>
+    <p:handoutMasterId r:id="rId3"/>
   </p:handoutMasterIdLst>
-  <p:sldIdLst>
-    <p:sldId id="256" r:id="rId2"/>
-    <p:sldId id="257" r:id="rId3"/>
-    <p:sldId id="258" r:id="rId4"/>
-  </p:sldIdLst>
   <p:sldSz cx="9144000" cy="6858000" type="screen4x3"/>
   <p:notesSz cx="6858000" cy="9144000"/>
   <p:defaultTextStyle>
@@ -997,7 +992,7 @@
           </a:bodyPr>
           <a:lstStyle>
             <a:lvl1pPr>
-              <a:defRPr sz="2500">
+              <a:defRPr sz="2500" baseline="0">
                 <a:latin typeface="+mj-lt"/>
                 <a:ea typeface="Helvetica" charset="0"/>
                 <a:cs typeface="Helvetica" charset="0"/>
@@ -1024,7 +1019,7 @@
             </a:pPr>
             <a:r>
               <a:rPr lang="en-US" dirty="0" err="1" smtClean="0"/>
-              <a:t>Contenido_lectura</a:t>
+              <a:t>Contenido</a:t>
             </a:r>
             <a:endParaRPr lang="en-US" dirty="0"/>
           </a:p>
@@ -2415,6 +2410,68 @@
           <a:chExt cx="0" cy="0"/>
         </a:xfrm>
       </p:grpSpPr>
+      <p:sp>
+        <p:nvSpPr>
+          <p:cNvPr id="2" name="Text Placeholder 1"/>
+          <p:cNvSpPr>
+            <a:spLocks noGrp="1"/>
+          </p:cNvSpPr>
+          <p:nvPr>
+            <p:ph type="body" idx="1"/>
+          </p:nvPr>
+        </p:nvSpPr>
+        <p:spPr>
+          <a:xfrm>
+            <a:off x="628650" y="1825625"/>
+            <a:ext cx="7886700" cy="4351338"/>
+          </a:xfrm>
+          <a:prstGeom prst="rect">
+            <a:avLst/>
+          </a:prstGeom>
+        </p:spPr>
+        <p:txBody>
+          <a:bodyPr vert="horz" lIns="91440" tIns="45720" rIns="91440" bIns="45720" rtlCol="0">
+            <a:normAutofit/>
+          </a:bodyPr>
+          <a:lstStyle/>
+          <a:p>
+            <a:pPr lvl="0"/>
+            <a:r>
+              <a:rPr lang="en-US" dirty="0" smtClean="0"/>
+              <a:t>Click to edit Master text styles</a:t>
+            </a:r>
+          </a:p>
+          <a:p>
+            <a:pPr lvl="1"/>
+            <a:r>
+              <a:rPr lang="en-US" dirty="0" smtClean="0"/>
+              <a:t>Second level</a:t>
+            </a:r>
+          </a:p>
+          <a:p>
+            <a:pPr lvl="2"/>
+            <a:r>
+              <a:rPr lang="en-US" dirty="0" smtClean="0"/>
+              <a:t>Third level</a:t>
+            </a:r>
+          </a:p>
+          <a:p>
+            <a:pPr lvl="3"/>
+            <a:r>
+              <a:rPr lang="en-US" dirty="0" smtClean="0"/>
+              <a:t>Fourth level</a:t>
+            </a:r>
+          </a:p>
+          <a:p>
+            <a:pPr lvl="4"/>
+            <a:r>
+              <a:rPr lang="en-US" dirty="0" smtClean="0"/>
+              <a:t>Fifth level</a:t>
+            </a:r>
+            <a:endParaRPr lang="en-US" dirty="0"/>
+          </a:p>
+        </p:txBody>
+      </p:sp>
     </p:spTree>
   </p:cSld>
   <p:clrMap bg1="lt1" tx1="dk1" bg2="lt2" tx2="dk2" accent1="accent1" accent2="accent2" accent3="accent3" accent4="accent4" accent5="accent5" accent6="accent6" hlink="hlink" folHlink="folHlink"/>
@@ -2698,7 +2755,7 @@
       </a:lvl9pPr>
     </p:titleStyle>
     <p:bodyStyle>
-      <a:lvl1pPr marL="342900" marR="0" indent="-342900" algn="l" defTabSz="457200" rtl="0" latinLnBrk="0">
+      <a:lvl1pPr marL="0" marR="0" indent="0" algn="l" defTabSz="457200" rtl="0" latinLnBrk="0">
         <a:lnSpc>
           <a:spcPct val="100000"/>
         </a:lnSpc>
@@ -2711,7 +2768,7 @@
         <a:buClrTx/>
         <a:buSzPct val="100000"/>
         <a:buFont typeface="Arial"/>
-        <a:buChar char="»"/>
+        <a:buNone/>
         <a:tabLst/>
         <a:defRPr sz="3200" b="0" i="0" u="none" strike="noStrike" cap="none" spc="0" baseline="0">
           <a:ln>
@@ -2727,7 +2784,7 @@
           <a:sym typeface="Calibri"/>
         </a:defRPr>
       </a:lvl1pPr>
-      <a:lvl2pPr marL="783771" marR="0" indent="-326571" algn="l" defTabSz="457200" rtl="0" latinLnBrk="0">
+      <a:lvl2pPr marL="457200" marR="0" indent="0" algn="l" defTabSz="457200" rtl="0" latinLnBrk="0">
         <a:lnSpc>
           <a:spcPct val="100000"/>
         </a:lnSpc>
@@ -2740,7 +2797,7 @@
         <a:buClrTx/>
         <a:buSzPct val="100000"/>
         <a:buFont typeface="Arial"/>
-        <a:buChar char="–"/>
+        <a:buNone/>
         <a:tabLst/>
         <a:defRPr sz="3200" b="0" i="0" u="none" strike="noStrike" cap="none" spc="0" baseline="0">
           <a:ln>
@@ -2756,7 +2813,7 @@
           <a:sym typeface="Calibri"/>
         </a:defRPr>
       </a:lvl2pPr>
-      <a:lvl3pPr marL="1219200" marR="0" indent="-304800" algn="l" defTabSz="457200" rtl="0" latinLnBrk="0">
+      <a:lvl3pPr marL="914400" marR="0" indent="0" algn="l" defTabSz="457200" rtl="0" latinLnBrk="0">
         <a:lnSpc>
           <a:spcPct val="100000"/>
         </a:lnSpc>
@@ -2769,7 +2826,7 @@
         <a:buClrTx/>
         <a:buSzPct val="100000"/>
         <a:buFont typeface="Arial"/>
-        <a:buChar char="•"/>
+        <a:buNone/>
         <a:tabLst/>
         <a:defRPr sz="3200" b="0" i="0" u="none" strike="noStrike" cap="none" spc="0" baseline="0">
           <a:ln>
@@ -2785,7 +2842,7 @@
           <a:sym typeface="Calibri"/>
         </a:defRPr>
       </a:lvl3pPr>
-      <a:lvl4pPr marL="1737360" marR="0" indent="-365760" algn="l" defTabSz="457200" rtl="0" latinLnBrk="0">
+      <a:lvl4pPr marL="1371600" marR="0" indent="0" algn="l" defTabSz="457200" rtl="0" latinLnBrk="0">
         <a:lnSpc>
           <a:spcPct val="100000"/>
         </a:lnSpc>
@@ -2798,7 +2855,7 @@
         <a:buClrTx/>
         <a:buSzPct val="100000"/>
         <a:buFont typeface="Arial"/>
-        <a:buChar char="–"/>
+        <a:buNone/>
         <a:tabLst/>
         <a:defRPr sz="3200" b="0" i="0" u="none" strike="noStrike" cap="none" spc="0" baseline="0">
           <a:ln>
@@ -2814,7 +2871,7 @@
           <a:sym typeface="Calibri"/>
         </a:defRPr>
       </a:lvl4pPr>
-      <a:lvl5pPr marL="2235200" marR="0" indent="-406400" algn="l" defTabSz="457200" rtl="0" latinLnBrk="0">
+      <a:lvl5pPr marL="1828800" marR="0" indent="0" algn="l" defTabSz="457200" rtl="0" latinLnBrk="0">
         <a:lnSpc>
           <a:spcPct val="100000"/>
         </a:lnSpc>
@@ -2827,7 +2884,7 @@
         <a:buClrTx/>
         <a:buSzPct val="100000"/>
         <a:buFont typeface="Arial"/>
-        <a:buChar char="»"/>
+        <a:buNone/>
         <a:tabLst/>
         <a:defRPr sz="3200" b="0" i="0" u="none" strike="noStrike" cap="none" spc="0" baseline="0">
           <a:ln>
@@ -3227,263 +3284,6 @@
 </p:sldMaster>
 </file>
 
-<file path=ppt/slides/slide1.xml><?xml version="1.0" encoding="utf-8"?>
-<p:sld xmlns:a="http://schemas.openxmlformats.org/drawingml/2006/main" xmlns:r="http://schemas.openxmlformats.org/officeDocument/2006/relationships" xmlns:p="http://schemas.openxmlformats.org/presentationml/2006/main">
-  <p:cSld>
-    <p:spTree>
-      <p:nvGrpSpPr>
-        <p:cNvPr id="1" name=""/>
-        <p:cNvGrpSpPr/>
-        <p:nvPr/>
-      </p:nvGrpSpPr>
-      <p:grpSpPr>
-        <a:xfrm>
-          <a:off x="0" y="0"/>
-          <a:ext cx="0" cy="0"/>
-          <a:chOff x="0" y="0"/>
-          <a:chExt cx="0" cy="0"/>
-        </a:xfrm>
-      </p:grpSpPr>
-      <p:sp>
-        <p:nvSpPr>
-          <p:cNvPr id="2" name="Title 1"/>
-          <p:cNvSpPr>
-            <a:spLocks noGrp="1"/>
-          </p:cNvSpPr>
-          <p:nvPr>
-            <p:ph type="title"/>
-          </p:nvPr>
-        </p:nvSpPr>
-        <p:spPr/>
-        <p:txBody>
-          <a:bodyPr/>
-          <a:lstStyle/>
-          <a:p>
-            <a:r>
-              <a:rPr dirty="0"/>
-              <a:t>Title for Layout 0</a:t>
-            </a:r>
-          </a:p>
-        </p:txBody>
-      </p:sp>
-    </p:spTree>
-  </p:cSld>
-  <p:clrMapOvr>
-    <a:masterClrMapping/>
-  </p:clrMapOvr>
-  <p:timing>
-    <p:tnLst>
-      <p:par>
-        <p:cTn id="1" dur="indefinite" restart="never" nodeType="tmRoot"/>
-      </p:par>
-    </p:tnLst>
-  </p:timing>
-</p:sld>
-</file>
-
-<file path=ppt/slides/slide2.xml><?xml version="1.0" encoding="utf-8"?>
-<p:sld xmlns:a="http://schemas.openxmlformats.org/drawingml/2006/main" xmlns:r="http://schemas.openxmlformats.org/officeDocument/2006/relationships" xmlns:p="http://schemas.openxmlformats.org/presentationml/2006/main">
-  <p:cSld>
-    <p:spTree>
-      <p:nvGrpSpPr>
-        <p:cNvPr id="1" name=""/>
-        <p:cNvGrpSpPr/>
-        <p:nvPr/>
-      </p:nvGrpSpPr>
-      <p:grpSpPr>
-        <a:xfrm>
-          <a:off x="0" y="0"/>
-          <a:ext cx="0" cy="0"/>
-          <a:chOff x="0" y="0"/>
-          <a:chExt cx="0" cy="0"/>
-        </a:xfrm>
-      </p:grpSpPr>
-      <p:sp>
-        <p:nvSpPr>
-          <p:cNvPr id="2" name="Text Placeholder 1"/>
-          <p:cNvSpPr>
-            <a:spLocks noGrp="1"/>
-          </p:cNvSpPr>
-          <p:nvPr>
-            <p:ph type="body" sz="quarter" idx="10"/>
-          </p:nvPr>
-        </p:nvSpPr>
-        <p:spPr/>
-        <p:txBody>
-          <a:bodyPr/>
-          <a:lstStyle/>
-          <a:p>
-            <a:pPr marL="0" marR="0" lvl="0" indent="0" defTabSz="914400" eaLnBrk="1" fontAlgn="auto" latinLnBrk="0" hangingPunct="1">
-              <a:lnSpc>
-                <a:spcPct val="100000"/>
-              </a:lnSpc>
-              <a:spcBef>
-                <a:spcPts val="0"/>
-              </a:spcBef>
-              <a:spcAft>
-                <a:spcPts val="0"/>
-              </a:spcAft>
-              <a:buClrTx/>
-              <a:buSzTx/>
-              <a:buFontTx/>
-              <a:buNone/>
-              <a:tabLst/>
-              <a:defRPr/>
-            </a:pPr>
-            <a:r>
-              <a:rPr lang="en-US" dirty="0" smtClean="0"/>
-              <a:t>Erase </a:t>
-            </a:r>
-            <a:r>
-              <a:rPr lang="en-US" dirty="0" err="1" smtClean="0"/>
-              <a:t>una</a:t>
-            </a:r>
-            <a:r>
-              <a:rPr lang="en-US" dirty="0" smtClean="0"/>
-              <a:t> </a:t>
-            </a:r>
-            <a:r>
-              <a:rPr lang="en-US" dirty="0" err="1" smtClean="0"/>
-              <a:t>vez</a:t>
-            </a:r>
-            <a:r>
-              <a:rPr lang="mr-IN" dirty="0" smtClean="0"/>
-              <a:t>…</a:t>
-            </a:r>
-            <a:endParaRPr lang="en-US" dirty="0"/>
-          </a:p>
-        </p:txBody>
-      </p:sp>
-      <p:sp>
-        <p:nvSpPr>
-          <p:cNvPr id="3" name="Text Placeholder 2"/>
-          <p:cNvSpPr>
-            <a:spLocks noGrp="1"/>
-          </p:cNvSpPr>
-          <p:nvPr>
-            <p:ph type="body" sz="quarter" idx="12"/>
-          </p:nvPr>
-        </p:nvSpPr>
-        <p:spPr/>
-        <p:txBody>
-          <a:bodyPr/>
-          <a:lstStyle/>
-          <a:p>
-            <a:pPr marL="0" marR="0" lvl="0" indent="0" defTabSz="914400" eaLnBrk="1" fontAlgn="auto" latinLnBrk="0" hangingPunct="1">
-              <a:lnSpc>
-                <a:spcPct val="100000"/>
-              </a:lnSpc>
-              <a:spcBef>
-                <a:spcPts val="0"/>
-              </a:spcBef>
-              <a:spcAft>
-                <a:spcPts val="0"/>
-              </a:spcAft>
-              <a:buClrTx/>
-              <a:buSzTx/>
-              <a:buFontTx/>
-              <a:buNone/>
-              <a:tabLst/>
-              <a:defRPr/>
-            </a:pPr>
-            <a:r>
-              <a:rPr lang="en-US" dirty="0" smtClean="0"/>
-              <a:t>(Mt 12-45.23)</a:t>
-            </a:r>
-            <a:endParaRPr lang="en-US" dirty="0"/>
-          </a:p>
-        </p:txBody>
-      </p:sp>
-    </p:spTree>
-    <p:extLst>
-      <p:ext uri="{BB962C8B-B14F-4D97-AF65-F5344CB8AC3E}">
-        <p14:creationId xmlns:p14="http://schemas.microsoft.com/office/powerpoint/2010/main" val="60459322"/>
-      </p:ext>
-    </p:extLst>
-  </p:cSld>
-  <p:clrMapOvr>
-    <a:masterClrMapping/>
-  </p:clrMapOvr>
-  <p:transition spd="med"/>
-  <p:timing>
-    <p:tnLst>
-      <p:par>
-        <p:cTn id="1" dur="indefinite" restart="never" nodeType="tmRoot"/>
-      </p:par>
-    </p:tnLst>
-  </p:timing>
-</p:sld>
-</file>
-
-<file path=ppt/slides/slide3.xml><?xml version="1.0" encoding="utf-8"?>
-<p:sld xmlns:a="http://schemas.openxmlformats.org/drawingml/2006/main" xmlns:r="http://schemas.openxmlformats.org/officeDocument/2006/relationships" xmlns:p="http://schemas.openxmlformats.org/presentationml/2006/main">
-  <p:cSld>
-    <p:spTree>
-      <p:nvGrpSpPr>
-        <p:cNvPr id="1" name=""/>
-        <p:cNvGrpSpPr/>
-        <p:nvPr/>
-      </p:nvGrpSpPr>
-      <p:grpSpPr>
-        <a:xfrm>
-          <a:off x="0" y="0"/>
-          <a:ext cx="0" cy="0"/>
-          <a:chOff x="0" y="0"/>
-          <a:chExt cx="0" cy="0"/>
-        </a:xfrm>
-      </p:grpSpPr>
-      <p:sp>
-        <p:nvSpPr>
-          <p:cNvPr id="2" name="Text Placeholder 1"/>
-          <p:cNvSpPr>
-            <a:spLocks noGrp="1"/>
-          </p:cNvSpPr>
-          <p:nvPr>
-            <p:ph type="body" sz="quarter" idx="10"/>
-          </p:nvPr>
-        </p:nvSpPr>
-        <p:spPr/>
-        <p:txBody>
-          <a:bodyPr/>
-          <a:lstStyle/>
-          <a:p>
-            <a:endParaRPr lang="en-US"/>
-          </a:p>
-        </p:txBody>
-      </p:sp>
-      <p:sp>
-        <p:nvSpPr>
-          <p:cNvPr id="3" name="Text Placeholder 2"/>
-          <p:cNvSpPr>
-            <a:spLocks noGrp="1"/>
-          </p:cNvSpPr>
-          <p:nvPr>
-            <p:ph type="body" sz="quarter" idx="12"/>
-          </p:nvPr>
-        </p:nvSpPr>
-        <p:spPr/>
-        <p:txBody>
-          <a:bodyPr/>
-          <a:lstStyle/>
-          <a:p>
-            <a:endParaRPr lang="en-US"/>
-          </a:p>
-        </p:txBody>
-      </p:sp>
-    </p:spTree>
-    <p:extLst>
-      <p:ext uri="{BB962C8B-B14F-4D97-AF65-F5344CB8AC3E}">
-        <p14:creationId xmlns:p14="http://schemas.microsoft.com/office/powerpoint/2010/main" val="1312161533"/>
-      </p:ext>
-    </p:extLst>
-  </p:cSld>
-  <p:clrMapOvr>
-    <a:masterClrMapping/>
-  </p:clrMapOvr>
-  <p:transition spd="med"/>
-</p:sld>
-</file>
-
 <file path=ppt/theme/theme1.xml><?xml version="1.0" encoding="utf-8"?>
 <a:theme xmlns:a="http://schemas.openxmlformats.org/drawingml/2006/main" name="Tema de Office">
   <a:themeElements>

--- a/Hacedor ppt/plantilla python.pptx
+++ b/Hacedor ppt/plantilla python.pptx
@@ -407,7 +407,7 @@
           <a:p>
             <a:fld id="{A2F1CC36-F4A9-BC45-A389-D7D93F3A36E0}" type="datetimeFigureOut">
               <a:rPr lang="en-US" smtClean="0"/>
-              <a:t>12/5/17</a:t>
+              <a:t>12/6/17</a:t>
             </a:fld>
             <a:endParaRPr lang="en-US"/>
           </a:p>
@@ -980,7 +980,7 @@
         <p:spPr>
           <a:xfrm>
             <a:off x="493200" y="1411200"/>
-            <a:ext cx="8047037" cy="477054"/>
+            <a:ext cx="8047037" cy="4886963"/>
           </a:xfrm>
           <a:prstGeom prst="rect">
             <a:avLst/>
@@ -988,19 +988,31 @@
         </p:spPr>
         <p:txBody>
           <a:bodyPr>
-            <a:spAutoFit/>
+            <a:normAutofit/>
           </a:bodyPr>
           <a:lstStyle>
-            <a:lvl1pPr>
+            <a:lvl1pPr marL="0" marR="0" indent="0" algn="just" defTabSz="457200" rtl="0" eaLnBrk="1" fontAlgn="auto" latinLnBrk="0" hangingPunct="1">
+              <a:lnSpc>
+                <a:spcPct val="100000"/>
+              </a:lnSpc>
+              <a:spcBef>
+                <a:spcPts val="700"/>
+              </a:spcBef>
+              <a:spcAft>
+                <a:spcPts val="0"/>
+              </a:spcAft>
+              <a:buClrTx/>
+              <a:buSzPct val="100000"/>
+              <a:buFont typeface="Arial"/>
+              <a:buNone/>
+              <a:tabLst/>
               <a:defRPr sz="2500" baseline="0">
                 <a:latin typeface="+mj-lt"/>
                 <a:ea typeface="Helvetica" charset="0"/>
                 <a:cs typeface="Helvetica" charset="0"/>
               </a:defRPr>
             </a:lvl1pPr>
-          </a:lstStyle>
-          <a:p>
-            <a:pPr marL="342900" marR="0" lvl="0" indent="-342900" algn="l" defTabSz="457200" rtl="0" eaLnBrk="1" fontAlgn="auto" latinLnBrk="0" hangingPunct="1">
+            <a:lvl2pPr marL="457200" marR="0" indent="0" algn="l" defTabSz="457200" rtl="0" eaLnBrk="1" fontAlgn="auto" latinLnBrk="0" hangingPunct="1">
               <a:lnSpc>
                 <a:spcPct val="100000"/>
               </a:lnSpc>
@@ -1016,7 +1028,10 @@
               <a:buNone/>
               <a:tabLst/>
               <a:defRPr/>
-            </a:pPr>
+            </a:lvl2pPr>
+          </a:lstStyle>
+          <a:p>
+            <a:pPr lvl="0"/>
             <a:r>
               <a:rPr lang="en-US" dirty="0" err="1" smtClean="0"/>
               <a:t>Contenido</a:t>
@@ -1037,7 +1052,7 @@
         </p:nvSpPr>
         <p:spPr>
           <a:xfrm>
-            <a:off x="4273198" y="430080"/>
+            <a:off x="4273200" y="430080"/>
             <a:ext cx="4276212" cy="581376"/>
           </a:xfrm>
           <a:prstGeom prst="rect">
@@ -1233,6 +1248,158 @@
           </a:p>
         </p:txBody>
       </p:sp>
+      <p:sp>
+        <p:nvSpPr>
+          <p:cNvPr id="5" name="Text Placeholder 4"/>
+          <p:cNvSpPr>
+            <a:spLocks noGrp="1"/>
+          </p:cNvSpPr>
+          <p:nvPr>
+            <p:ph type="body" sz="quarter" idx="13" hasCustomPrompt="1"/>
+          </p:nvPr>
+        </p:nvSpPr>
+        <p:spPr>
+          <a:xfrm>
+            <a:off x="895739" y="6372808"/>
+            <a:ext cx="3349469" cy="382005"/>
+          </a:xfrm>
+        </p:spPr>
+        <p:txBody>
+          <a:bodyPr lIns="0" tIns="36000" bIns="57600" anchor="t" anchorCtr="0">
+            <a:noAutofit/>
+          </a:bodyPr>
+          <a:lstStyle>
+            <a:lvl1pPr>
+              <a:defRPr sz="2500" baseline="0">
+                <a:latin typeface="+mj-lt"/>
+              </a:defRPr>
+            </a:lvl1pPr>
+          </a:lstStyle>
+          <a:p>
+            <a:pPr lvl="0"/>
+            <a:r>
+              <a:rPr lang="en-US" dirty="0" err="1" smtClean="0"/>
+              <a:t>Dialogo</a:t>
+            </a:r>
+            <a:endParaRPr lang="en-US" dirty="0"/>
+          </a:p>
+        </p:txBody>
+      </p:sp>
+      <p:sp>
+        <p:nvSpPr>
+          <p:cNvPr id="13" name="Text Placeholder 12"/>
+          <p:cNvSpPr>
+            <a:spLocks noGrp="1"/>
+          </p:cNvSpPr>
+          <p:nvPr>
+            <p:ph type="body" sz="quarter" idx="15" hasCustomPrompt="1"/>
+          </p:nvPr>
+        </p:nvSpPr>
+        <p:spPr>
+          <a:xfrm>
+            <a:off x="493712" y="6372225"/>
+            <a:ext cx="402027" cy="382588"/>
+          </a:xfrm>
+        </p:spPr>
+        <p:txBody>
+          <a:bodyPr rIns="0">
+            <a:noAutofit/>
+          </a:bodyPr>
+          <a:lstStyle>
+            <a:lvl1pPr>
+              <a:defRPr sz="2400" b="1">
+                <a:latin typeface="+mj-lt"/>
+                <a:ea typeface="Helvetica" charset="0"/>
+                <a:cs typeface="Helvetica" charset="0"/>
+              </a:defRPr>
+            </a:lvl1pPr>
+          </a:lstStyle>
+          <a:p>
+            <a:pPr lvl="0"/>
+            <a:r>
+              <a:rPr lang="en-US" dirty="0" smtClean="0"/>
+              <a:t>R.</a:t>
+            </a:r>
+            <a:endParaRPr lang="en-US" dirty="0"/>
+          </a:p>
+        </p:txBody>
+      </p:sp>
+      <p:sp>
+        <p:nvSpPr>
+          <p:cNvPr id="15" name="Text Placeholder 4"/>
+          <p:cNvSpPr>
+            <a:spLocks noGrp="1"/>
+          </p:cNvSpPr>
+          <p:nvPr>
+            <p:ph type="body" sz="quarter" idx="16" hasCustomPrompt="1"/>
+          </p:nvPr>
+        </p:nvSpPr>
+        <p:spPr>
+          <a:xfrm>
+            <a:off x="5682343" y="6399084"/>
+            <a:ext cx="2867069" cy="382005"/>
+          </a:xfrm>
+        </p:spPr>
+        <p:txBody>
+          <a:bodyPr lIns="0" tIns="36000" rIns="0" bIns="57600" anchor="t" anchorCtr="0">
+            <a:noAutofit/>
+          </a:bodyPr>
+          <a:lstStyle>
+            <a:lvl1pPr algn="r">
+              <a:defRPr sz="2500" baseline="0">
+                <a:latin typeface="+mj-lt"/>
+              </a:defRPr>
+            </a:lvl1pPr>
+          </a:lstStyle>
+          <a:p>
+            <a:pPr lvl="0"/>
+            <a:r>
+              <a:rPr lang="en-US" dirty="0" err="1" smtClean="0"/>
+              <a:t>Dialogo</a:t>
+            </a:r>
+            <a:endParaRPr lang="en-US" dirty="0"/>
+          </a:p>
+        </p:txBody>
+      </p:sp>
+      <p:sp>
+        <p:nvSpPr>
+          <p:cNvPr id="16" name="Text Placeholder 12"/>
+          <p:cNvSpPr>
+            <a:spLocks noGrp="1"/>
+          </p:cNvSpPr>
+          <p:nvPr>
+            <p:ph type="body" sz="quarter" idx="17" hasCustomPrompt="1"/>
+          </p:nvPr>
+        </p:nvSpPr>
+        <p:spPr>
+          <a:xfrm>
+            <a:off x="5280316" y="6399084"/>
+            <a:ext cx="402027" cy="382588"/>
+          </a:xfrm>
+        </p:spPr>
+        <p:txBody>
+          <a:bodyPr rIns="0">
+            <a:noAutofit/>
+          </a:bodyPr>
+          <a:lstStyle>
+            <a:lvl1pPr>
+              <a:defRPr sz="2400" b="1">
+                <a:latin typeface="+mj-lt"/>
+                <a:ea typeface="Helvetica" charset="0"/>
+                <a:cs typeface="Helvetica" charset="0"/>
+              </a:defRPr>
+            </a:lvl1pPr>
+          </a:lstStyle>
+          <a:p>
+            <a:pPr lvl="0"/>
+            <a:r>
+              <a:rPr lang="en-US" dirty="0" smtClean="0"/>
+              <a:t>R.</a:t>
+            </a:r>
+            <a:endParaRPr lang="en-US" dirty="0"/>
+          </a:p>
+        </p:txBody>
+      </p:sp>
     </p:spTree>
     <p:extLst>
       <p:ext uri="{BB962C8B-B14F-4D97-AF65-F5344CB8AC3E}">
@@ -1395,7 +1562,7 @@
         <p:spPr>
           <a:xfrm>
             <a:off x="493200" y="1411200"/>
-            <a:ext cx="8047037" cy="477054"/>
+            <a:ext cx="8047037" cy="4886963"/>
           </a:xfrm>
           <a:prstGeom prst="rect">
             <a:avLst/>
@@ -1403,19 +1570,31 @@
         </p:spPr>
         <p:txBody>
           <a:bodyPr>
-            <a:spAutoFit/>
+            <a:normAutofit/>
           </a:bodyPr>
           <a:lstStyle>
-            <a:lvl1pPr>
-              <a:defRPr sz="2500">
+            <a:lvl1pPr marL="0" marR="0" indent="0" algn="just" defTabSz="457200" rtl="0" eaLnBrk="1" fontAlgn="auto" latinLnBrk="0" hangingPunct="1">
+              <a:lnSpc>
+                <a:spcPct val="100000"/>
+              </a:lnSpc>
+              <a:spcBef>
+                <a:spcPts val="700"/>
+              </a:spcBef>
+              <a:spcAft>
+                <a:spcPts val="0"/>
+              </a:spcAft>
+              <a:buClrTx/>
+              <a:buSzPct val="100000"/>
+              <a:buFont typeface="Arial"/>
+              <a:buNone/>
+              <a:tabLst/>
+              <a:defRPr sz="2500" baseline="0">
                 <a:latin typeface="+mj-lt"/>
                 <a:ea typeface="Helvetica" charset="0"/>
                 <a:cs typeface="Helvetica" charset="0"/>
               </a:defRPr>
             </a:lvl1pPr>
-          </a:lstStyle>
-          <a:p>
-            <a:pPr marL="342900" marR="0" lvl="0" indent="-342900" algn="l" defTabSz="457200" rtl="0" eaLnBrk="1" fontAlgn="auto" latinLnBrk="0" hangingPunct="1">
+            <a:lvl2pPr marL="457200" marR="0" indent="0" algn="l" defTabSz="457200" rtl="0" eaLnBrk="1" fontAlgn="auto" latinLnBrk="0" hangingPunct="1">
               <a:lnSpc>
                 <a:spcPct val="100000"/>
               </a:lnSpc>
@@ -1431,10 +1610,13 @@
               <a:buNone/>
               <a:tabLst/>
               <a:defRPr/>
-            </a:pPr>
+            </a:lvl2pPr>
+          </a:lstStyle>
+          <a:p>
+            <a:pPr lvl="0"/>
             <a:r>
               <a:rPr lang="en-US" dirty="0" err="1" smtClean="0"/>
-              <a:t>Contenido_lectura</a:t>
+              <a:t>Contenido</a:t>
             </a:r>
             <a:endParaRPr lang="en-US" dirty="0"/>
           </a:p>
@@ -1452,7 +1634,7 @@
         </p:nvSpPr>
         <p:spPr>
           <a:xfrm>
-            <a:off x="2127183" y="430080"/>
+            <a:off x="2220686" y="430372"/>
             <a:ext cx="4276212" cy="581376"/>
           </a:xfrm>
           <a:prstGeom prst="rect">
@@ -1516,7 +1698,7 @@
         <p:spPr>
           <a:xfrm>
             <a:off x="493200" y="365127"/>
-            <a:ext cx="1633983" cy="646329"/>
+            <a:ext cx="1727486" cy="646329"/>
           </a:xfrm>
           <a:prstGeom prst="rect">
             <a:avLst/>
@@ -1594,6 +1776,158 @@
               <a:cs typeface="Helvetica" charset="0"/>
               <a:sym typeface="Calibri"/>
             </a:endParaRPr>
+          </a:p>
+        </p:txBody>
+      </p:sp>
+      <p:sp>
+        <p:nvSpPr>
+          <p:cNvPr id="5" name="Text Placeholder 4"/>
+          <p:cNvSpPr>
+            <a:spLocks noGrp="1"/>
+          </p:cNvSpPr>
+          <p:nvPr>
+            <p:ph type="body" sz="quarter" idx="13" hasCustomPrompt="1"/>
+          </p:nvPr>
+        </p:nvSpPr>
+        <p:spPr>
+          <a:xfrm>
+            <a:off x="895739" y="6372808"/>
+            <a:ext cx="3349469" cy="382005"/>
+          </a:xfrm>
+        </p:spPr>
+        <p:txBody>
+          <a:bodyPr tIns="36000" bIns="57600" anchor="t" anchorCtr="0">
+            <a:noAutofit/>
+          </a:bodyPr>
+          <a:lstStyle>
+            <a:lvl1pPr>
+              <a:defRPr sz="2500" baseline="0">
+                <a:latin typeface="+mj-lt"/>
+              </a:defRPr>
+            </a:lvl1pPr>
+          </a:lstStyle>
+          <a:p>
+            <a:pPr lvl="0"/>
+            <a:r>
+              <a:rPr lang="en-US" dirty="0" err="1" smtClean="0"/>
+              <a:t>Dialogo</a:t>
+            </a:r>
+            <a:endParaRPr lang="en-US" dirty="0"/>
+          </a:p>
+        </p:txBody>
+      </p:sp>
+      <p:sp>
+        <p:nvSpPr>
+          <p:cNvPr id="13" name="Text Placeholder 12"/>
+          <p:cNvSpPr>
+            <a:spLocks noGrp="1"/>
+          </p:cNvSpPr>
+          <p:nvPr>
+            <p:ph type="body" sz="quarter" idx="15" hasCustomPrompt="1"/>
+          </p:nvPr>
+        </p:nvSpPr>
+        <p:spPr>
+          <a:xfrm>
+            <a:off x="493712" y="6372225"/>
+            <a:ext cx="402027" cy="382588"/>
+          </a:xfrm>
+        </p:spPr>
+        <p:txBody>
+          <a:bodyPr rIns="0">
+            <a:noAutofit/>
+          </a:bodyPr>
+          <a:lstStyle>
+            <a:lvl1pPr>
+              <a:defRPr sz="2400" b="1">
+                <a:latin typeface="+mj-lt"/>
+                <a:ea typeface="Helvetica" charset="0"/>
+                <a:cs typeface="Helvetica" charset="0"/>
+              </a:defRPr>
+            </a:lvl1pPr>
+          </a:lstStyle>
+          <a:p>
+            <a:pPr lvl="0"/>
+            <a:r>
+              <a:rPr lang="en-US" dirty="0" smtClean="0"/>
+              <a:t>R.</a:t>
+            </a:r>
+            <a:endParaRPr lang="en-US" dirty="0"/>
+          </a:p>
+        </p:txBody>
+      </p:sp>
+      <p:sp>
+        <p:nvSpPr>
+          <p:cNvPr id="15" name="Text Placeholder 4"/>
+          <p:cNvSpPr>
+            <a:spLocks noGrp="1"/>
+          </p:cNvSpPr>
+          <p:nvPr>
+            <p:ph type="body" sz="quarter" idx="16" hasCustomPrompt="1"/>
+          </p:nvPr>
+        </p:nvSpPr>
+        <p:spPr>
+          <a:xfrm>
+            <a:off x="5682343" y="6399084"/>
+            <a:ext cx="2867069" cy="382005"/>
+          </a:xfrm>
+        </p:spPr>
+        <p:txBody>
+          <a:bodyPr lIns="0" tIns="36000" bIns="57600" anchor="t" anchorCtr="0">
+            <a:noAutofit/>
+          </a:bodyPr>
+          <a:lstStyle>
+            <a:lvl1pPr algn="r">
+              <a:defRPr sz="2500" baseline="0">
+                <a:latin typeface="+mj-lt"/>
+              </a:defRPr>
+            </a:lvl1pPr>
+          </a:lstStyle>
+          <a:p>
+            <a:pPr lvl="0"/>
+            <a:r>
+              <a:rPr lang="en-US" dirty="0" err="1" smtClean="0"/>
+              <a:t>Dialogo</a:t>
+            </a:r>
+            <a:endParaRPr lang="en-US" dirty="0"/>
+          </a:p>
+        </p:txBody>
+      </p:sp>
+      <p:sp>
+        <p:nvSpPr>
+          <p:cNvPr id="16" name="Text Placeholder 12"/>
+          <p:cNvSpPr>
+            <a:spLocks noGrp="1"/>
+          </p:cNvSpPr>
+          <p:nvPr>
+            <p:ph type="body" sz="quarter" idx="17" hasCustomPrompt="1"/>
+          </p:nvPr>
+        </p:nvSpPr>
+        <p:spPr>
+          <a:xfrm>
+            <a:off x="5280316" y="6399084"/>
+            <a:ext cx="402027" cy="382588"/>
+          </a:xfrm>
+        </p:spPr>
+        <p:txBody>
+          <a:bodyPr rIns="0">
+            <a:noAutofit/>
+          </a:bodyPr>
+          <a:lstStyle>
+            <a:lvl1pPr>
+              <a:defRPr sz="2400" b="1">
+                <a:latin typeface="+mj-lt"/>
+                <a:ea typeface="Helvetica" charset="0"/>
+                <a:cs typeface="Helvetica" charset="0"/>
+              </a:defRPr>
+            </a:lvl1pPr>
+          </a:lstStyle>
+          <a:p>
+            <a:pPr lvl="0"/>
+            <a:r>
+              <a:rPr lang="en-US" dirty="0" smtClean="0"/>
+              <a:t>R.</a:t>
+            </a:r>
+            <a:endParaRPr lang="en-US" dirty="0"/>
           </a:p>
         </p:txBody>
       </p:sp>
@@ -1755,7 +2089,7 @@
         <p:spPr>
           <a:xfrm>
             <a:off x="493200" y="1411200"/>
-            <a:ext cx="8047037" cy="477054"/>
+            <a:ext cx="8047037" cy="4886963"/>
           </a:xfrm>
           <a:prstGeom prst="rect">
             <a:avLst/>
@@ -1763,19 +2097,31 @@
         </p:spPr>
         <p:txBody>
           <a:bodyPr>
-            <a:spAutoFit/>
+            <a:normAutofit/>
           </a:bodyPr>
           <a:lstStyle>
-            <a:lvl1pPr>
-              <a:defRPr sz="2500">
+            <a:lvl1pPr marL="0" marR="0" indent="0" algn="just" defTabSz="457200" rtl="0" eaLnBrk="1" fontAlgn="auto" latinLnBrk="0" hangingPunct="1">
+              <a:lnSpc>
+                <a:spcPct val="100000"/>
+              </a:lnSpc>
+              <a:spcBef>
+                <a:spcPts val="700"/>
+              </a:spcBef>
+              <a:spcAft>
+                <a:spcPts val="0"/>
+              </a:spcAft>
+              <a:buClrTx/>
+              <a:buSzPct val="100000"/>
+              <a:buFont typeface="Arial"/>
+              <a:buNone/>
+              <a:tabLst/>
+              <a:defRPr sz="2500" baseline="0">
                 <a:latin typeface="+mj-lt"/>
                 <a:ea typeface="Helvetica" charset="0"/>
                 <a:cs typeface="Helvetica" charset="0"/>
               </a:defRPr>
             </a:lvl1pPr>
-          </a:lstStyle>
-          <a:p>
-            <a:pPr marL="342900" marR="0" lvl="0" indent="-342900" algn="l" defTabSz="457200" rtl="0" eaLnBrk="1" fontAlgn="auto" latinLnBrk="0" hangingPunct="1">
+            <a:lvl2pPr marL="457200" marR="0" indent="0" algn="l" defTabSz="457200" rtl="0" eaLnBrk="1" fontAlgn="auto" latinLnBrk="0" hangingPunct="1">
               <a:lnSpc>
                 <a:spcPct val="100000"/>
               </a:lnSpc>
@@ -1791,10 +2137,13 @@
               <a:buNone/>
               <a:tabLst/>
               <a:defRPr/>
-            </a:pPr>
+            </a:lvl2pPr>
+          </a:lstStyle>
+          <a:p>
+            <a:pPr lvl="0"/>
             <a:r>
               <a:rPr lang="en-US" dirty="0" err="1" smtClean="0"/>
-              <a:t>Contenido_lectura</a:t>
+              <a:t>Contenido</a:t>
             </a:r>
             <a:endParaRPr lang="en-US" dirty="0"/>
           </a:p>
@@ -1812,8 +2161,8 @@
         </p:nvSpPr>
         <p:spPr>
           <a:xfrm>
-            <a:off x="4417996" y="430080"/>
-            <a:ext cx="4122241" cy="581376"/>
+            <a:off x="4493622" y="430372"/>
+            <a:ext cx="4055789" cy="581376"/>
           </a:xfrm>
           <a:prstGeom prst="rect">
             <a:avLst/>
@@ -1876,7 +2225,7 @@
         <p:spPr>
           <a:xfrm>
             <a:off x="493200" y="365127"/>
-            <a:ext cx="3924796" cy="646329"/>
+            <a:ext cx="4000422" cy="646329"/>
           </a:xfrm>
           <a:prstGeom prst="rect">
             <a:avLst/>
@@ -1924,7 +2273,7 @@
               <a:tabLst/>
             </a:pPr>
             <a:r>
-              <a:rPr kumimoji="0" lang="en-US" sz="3600" b="1" i="0" u="none" strike="noStrike" cap="none" spc="0" normalizeH="0" baseline="0" smtClean="0">
+              <a:rPr kumimoji="0" lang="en-US" sz="3600" b="1" i="0" u="none" strike="noStrike" cap="none" spc="0" normalizeH="0" baseline="0" dirty="0" err="1" smtClean="0">
                 <a:ln>
                   <a:noFill/>
                 </a:ln>
@@ -2008,6 +2357,158 @@
           </a:p>
         </p:txBody>
       </p:sp>
+      <p:sp>
+        <p:nvSpPr>
+          <p:cNvPr id="5" name="Text Placeholder 4"/>
+          <p:cNvSpPr>
+            <a:spLocks noGrp="1"/>
+          </p:cNvSpPr>
+          <p:nvPr>
+            <p:ph type="body" sz="quarter" idx="13" hasCustomPrompt="1"/>
+          </p:nvPr>
+        </p:nvSpPr>
+        <p:spPr>
+          <a:xfrm>
+            <a:off x="895739" y="6372808"/>
+            <a:ext cx="3349469" cy="382005"/>
+          </a:xfrm>
+        </p:spPr>
+        <p:txBody>
+          <a:bodyPr tIns="36000" bIns="57600" anchor="t" anchorCtr="0">
+            <a:noAutofit/>
+          </a:bodyPr>
+          <a:lstStyle>
+            <a:lvl1pPr>
+              <a:defRPr sz="2500" baseline="0">
+                <a:latin typeface="+mj-lt"/>
+              </a:defRPr>
+            </a:lvl1pPr>
+          </a:lstStyle>
+          <a:p>
+            <a:pPr lvl="0"/>
+            <a:r>
+              <a:rPr lang="en-US" dirty="0" err="1" smtClean="0"/>
+              <a:t>Dialogo</a:t>
+            </a:r>
+            <a:endParaRPr lang="en-US" dirty="0"/>
+          </a:p>
+        </p:txBody>
+      </p:sp>
+      <p:sp>
+        <p:nvSpPr>
+          <p:cNvPr id="13" name="Text Placeholder 12"/>
+          <p:cNvSpPr>
+            <a:spLocks noGrp="1"/>
+          </p:cNvSpPr>
+          <p:nvPr>
+            <p:ph type="body" sz="quarter" idx="15" hasCustomPrompt="1"/>
+          </p:nvPr>
+        </p:nvSpPr>
+        <p:spPr>
+          <a:xfrm>
+            <a:off x="493712" y="6372225"/>
+            <a:ext cx="402027" cy="382588"/>
+          </a:xfrm>
+        </p:spPr>
+        <p:txBody>
+          <a:bodyPr rIns="0">
+            <a:noAutofit/>
+          </a:bodyPr>
+          <a:lstStyle>
+            <a:lvl1pPr>
+              <a:defRPr sz="2400" b="1">
+                <a:latin typeface="+mj-lt"/>
+                <a:ea typeface="Helvetica" charset="0"/>
+                <a:cs typeface="Helvetica" charset="0"/>
+              </a:defRPr>
+            </a:lvl1pPr>
+          </a:lstStyle>
+          <a:p>
+            <a:pPr lvl="0"/>
+            <a:r>
+              <a:rPr lang="en-US" dirty="0" smtClean="0"/>
+              <a:t>R.</a:t>
+            </a:r>
+            <a:endParaRPr lang="en-US" dirty="0"/>
+          </a:p>
+        </p:txBody>
+      </p:sp>
+      <p:sp>
+        <p:nvSpPr>
+          <p:cNvPr id="15" name="Text Placeholder 4"/>
+          <p:cNvSpPr>
+            <a:spLocks noGrp="1"/>
+          </p:cNvSpPr>
+          <p:nvPr>
+            <p:ph type="body" sz="quarter" idx="16" hasCustomPrompt="1"/>
+          </p:nvPr>
+        </p:nvSpPr>
+        <p:spPr>
+          <a:xfrm>
+            <a:off x="5682343" y="6399084"/>
+            <a:ext cx="2867069" cy="382005"/>
+          </a:xfrm>
+        </p:spPr>
+        <p:txBody>
+          <a:bodyPr lIns="0" tIns="36000" bIns="57600" anchor="t" anchorCtr="0">
+            <a:noAutofit/>
+          </a:bodyPr>
+          <a:lstStyle>
+            <a:lvl1pPr algn="r">
+              <a:defRPr sz="2500" baseline="0">
+                <a:latin typeface="+mj-lt"/>
+              </a:defRPr>
+            </a:lvl1pPr>
+          </a:lstStyle>
+          <a:p>
+            <a:pPr lvl="0"/>
+            <a:r>
+              <a:rPr lang="en-US" dirty="0" err="1" smtClean="0"/>
+              <a:t>Dialogo</a:t>
+            </a:r>
+            <a:endParaRPr lang="en-US" dirty="0"/>
+          </a:p>
+        </p:txBody>
+      </p:sp>
+      <p:sp>
+        <p:nvSpPr>
+          <p:cNvPr id="16" name="Text Placeholder 12"/>
+          <p:cNvSpPr>
+            <a:spLocks noGrp="1"/>
+          </p:cNvSpPr>
+          <p:nvPr>
+            <p:ph type="body" sz="quarter" idx="17" hasCustomPrompt="1"/>
+          </p:nvPr>
+        </p:nvSpPr>
+        <p:spPr>
+          <a:xfrm>
+            <a:off x="5280316" y="6399084"/>
+            <a:ext cx="402027" cy="382588"/>
+          </a:xfrm>
+        </p:spPr>
+        <p:txBody>
+          <a:bodyPr rIns="0">
+            <a:noAutofit/>
+          </a:bodyPr>
+          <a:lstStyle>
+            <a:lvl1pPr>
+              <a:defRPr sz="2400" b="1">
+                <a:latin typeface="+mj-lt"/>
+                <a:ea typeface="Helvetica" charset="0"/>
+                <a:cs typeface="Helvetica" charset="0"/>
+              </a:defRPr>
+            </a:lvl1pPr>
+          </a:lstStyle>
+          <a:p>
+            <a:pPr lvl="0"/>
+            <a:r>
+              <a:rPr lang="en-US" dirty="0" smtClean="0"/>
+              <a:t>R.</a:t>
+            </a:r>
+            <a:endParaRPr lang="en-US" dirty="0"/>
+          </a:p>
+        </p:txBody>
+      </p:sp>
     </p:spTree>
     <p:extLst/>
   </p:cSld>
@@ -2027,7 +2528,7 @@
 
 <file path=ppt/slideLayouts/slideLayout5.xml><?xml version="1.0" encoding="utf-8"?>
 <p:sldLayout xmlns:a="http://schemas.openxmlformats.org/drawingml/2006/main" xmlns:r="http://schemas.openxmlformats.org/officeDocument/2006/relationships" xmlns:p="http://schemas.openxmlformats.org/presentationml/2006/main" preserve="1" userDrawn="1">
-  <p:cSld name="Evangelio">
+  <p:cSld name="2_Primera Lectura">
     <p:spTree>
       <p:nvGrpSpPr>
         <p:cNvPr id="1" name=""/>
@@ -2166,7 +2667,7 @@
         <p:spPr>
           <a:xfrm>
             <a:off x="493200" y="1411200"/>
-            <a:ext cx="8047037" cy="477054"/>
+            <a:ext cx="8047037" cy="4886963"/>
           </a:xfrm>
           <a:prstGeom prst="rect">
             <a:avLst/>
@@ -2174,19 +2675,31 @@
         </p:spPr>
         <p:txBody>
           <a:bodyPr>
-            <a:spAutoFit/>
+            <a:normAutofit/>
           </a:bodyPr>
           <a:lstStyle>
-            <a:lvl1pPr>
-              <a:defRPr sz="2500">
+            <a:lvl1pPr marL="0" marR="0" indent="0" algn="just" defTabSz="457200" rtl="0" eaLnBrk="1" fontAlgn="auto" latinLnBrk="0" hangingPunct="1">
+              <a:lnSpc>
+                <a:spcPct val="100000"/>
+              </a:lnSpc>
+              <a:spcBef>
+                <a:spcPts val="700"/>
+              </a:spcBef>
+              <a:spcAft>
+                <a:spcPts val="0"/>
+              </a:spcAft>
+              <a:buClrTx/>
+              <a:buSzPct val="100000"/>
+              <a:buFont typeface="Arial"/>
+              <a:buNone/>
+              <a:tabLst/>
+              <a:defRPr sz="2500" baseline="0">
                 <a:latin typeface="+mj-lt"/>
                 <a:ea typeface="Helvetica" charset="0"/>
                 <a:cs typeface="Helvetica" charset="0"/>
               </a:defRPr>
             </a:lvl1pPr>
-          </a:lstStyle>
-          <a:p>
-            <a:pPr marL="342900" marR="0" lvl="0" indent="-342900" algn="l" defTabSz="457200" rtl="0" eaLnBrk="1" fontAlgn="auto" latinLnBrk="0" hangingPunct="1">
+            <a:lvl2pPr marL="457200" marR="0" indent="0" algn="l" defTabSz="457200" rtl="0" eaLnBrk="1" fontAlgn="auto" latinLnBrk="0" hangingPunct="1">
               <a:lnSpc>
                 <a:spcPct val="100000"/>
               </a:lnSpc>
@@ -2202,10 +2715,13 @@
               <a:buNone/>
               <a:tabLst/>
               <a:defRPr/>
-            </a:pPr>
+            </a:lvl2pPr>
+          </a:lstStyle>
+          <a:p>
+            <a:pPr lvl="0"/>
             <a:r>
               <a:rPr lang="en-US" dirty="0" err="1" smtClean="0"/>
-              <a:t>Contenido_lectura</a:t>
+              <a:t>Contenido</a:t>
             </a:r>
             <a:endParaRPr lang="en-US" dirty="0"/>
           </a:p>
@@ -2368,6 +2884,158 @@
           </a:p>
         </p:txBody>
       </p:sp>
+      <p:sp>
+        <p:nvSpPr>
+          <p:cNvPr id="5" name="Text Placeholder 4"/>
+          <p:cNvSpPr>
+            <a:spLocks noGrp="1"/>
+          </p:cNvSpPr>
+          <p:nvPr>
+            <p:ph type="body" sz="quarter" idx="13" hasCustomPrompt="1"/>
+          </p:nvPr>
+        </p:nvSpPr>
+        <p:spPr>
+          <a:xfrm>
+            <a:off x="895739" y="6372808"/>
+            <a:ext cx="3349469" cy="382005"/>
+          </a:xfrm>
+        </p:spPr>
+        <p:txBody>
+          <a:bodyPr tIns="36000" bIns="57600" anchor="t" anchorCtr="0">
+            <a:noAutofit/>
+          </a:bodyPr>
+          <a:lstStyle>
+            <a:lvl1pPr>
+              <a:defRPr sz="2500" baseline="0">
+                <a:latin typeface="+mj-lt"/>
+              </a:defRPr>
+            </a:lvl1pPr>
+          </a:lstStyle>
+          <a:p>
+            <a:pPr lvl="0"/>
+            <a:r>
+              <a:rPr lang="en-US" dirty="0" err="1" smtClean="0"/>
+              <a:t>Dialogo</a:t>
+            </a:r>
+            <a:endParaRPr lang="en-US" dirty="0"/>
+          </a:p>
+        </p:txBody>
+      </p:sp>
+      <p:sp>
+        <p:nvSpPr>
+          <p:cNvPr id="13" name="Text Placeholder 12"/>
+          <p:cNvSpPr>
+            <a:spLocks noGrp="1"/>
+          </p:cNvSpPr>
+          <p:nvPr>
+            <p:ph type="body" sz="quarter" idx="15" hasCustomPrompt="1"/>
+          </p:nvPr>
+        </p:nvSpPr>
+        <p:spPr>
+          <a:xfrm>
+            <a:off x="493712" y="6372225"/>
+            <a:ext cx="402027" cy="382588"/>
+          </a:xfrm>
+        </p:spPr>
+        <p:txBody>
+          <a:bodyPr rIns="0">
+            <a:noAutofit/>
+          </a:bodyPr>
+          <a:lstStyle>
+            <a:lvl1pPr>
+              <a:defRPr sz="2400" b="1">
+                <a:latin typeface="+mj-lt"/>
+                <a:ea typeface="Helvetica" charset="0"/>
+                <a:cs typeface="Helvetica" charset="0"/>
+              </a:defRPr>
+            </a:lvl1pPr>
+          </a:lstStyle>
+          <a:p>
+            <a:pPr lvl="0"/>
+            <a:r>
+              <a:rPr lang="en-US" dirty="0" smtClean="0"/>
+              <a:t>R.</a:t>
+            </a:r>
+            <a:endParaRPr lang="en-US" dirty="0"/>
+          </a:p>
+        </p:txBody>
+      </p:sp>
+      <p:sp>
+        <p:nvSpPr>
+          <p:cNvPr id="15" name="Text Placeholder 4"/>
+          <p:cNvSpPr>
+            <a:spLocks noGrp="1"/>
+          </p:cNvSpPr>
+          <p:nvPr>
+            <p:ph type="body" sz="quarter" idx="16" hasCustomPrompt="1"/>
+          </p:nvPr>
+        </p:nvSpPr>
+        <p:spPr>
+          <a:xfrm>
+            <a:off x="5682343" y="6399084"/>
+            <a:ext cx="2867069" cy="382005"/>
+          </a:xfrm>
+        </p:spPr>
+        <p:txBody>
+          <a:bodyPr lIns="0" tIns="36000" bIns="57600" anchor="t" anchorCtr="0">
+            <a:noAutofit/>
+          </a:bodyPr>
+          <a:lstStyle>
+            <a:lvl1pPr algn="r">
+              <a:defRPr sz="2500" baseline="0">
+                <a:latin typeface="+mj-lt"/>
+              </a:defRPr>
+            </a:lvl1pPr>
+          </a:lstStyle>
+          <a:p>
+            <a:pPr lvl="0"/>
+            <a:r>
+              <a:rPr lang="en-US" dirty="0" err="1" smtClean="0"/>
+              <a:t>Dialogo</a:t>
+            </a:r>
+            <a:endParaRPr lang="en-US" dirty="0"/>
+          </a:p>
+        </p:txBody>
+      </p:sp>
+      <p:sp>
+        <p:nvSpPr>
+          <p:cNvPr id="16" name="Text Placeholder 12"/>
+          <p:cNvSpPr>
+            <a:spLocks noGrp="1"/>
+          </p:cNvSpPr>
+          <p:nvPr>
+            <p:ph type="body" sz="quarter" idx="17" hasCustomPrompt="1"/>
+          </p:nvPr>
+        </p:nvSpPr>
+        <p:spPr>
+          <a:xfrm>
+            <a:off x="5280316" y="6399084"/>
+            <a:ext cx="402027" cy="382588"/>
+          </a:xfrm>
+        </p:spPr>
+        <p:txBody>
+          <a:bodyPr rIns="0">
+            <a:noAutofit/>
+          </a:bodyPr>
+          <a:lstStyle>
+            <a:lvl1pPr>
+              <a:defRPr sz="2400" b="1">
+                <a:latin typeface="+mj-lt"/>
+                <a:ea typeface="Helvetica" charset="0"/>
+                <a:cs typeface="Helvetica" charset="0"/>
+              </a:defRPr>
+            </a:lvl1pPr>
+          </a:lstStyle>
+          <a:p>
+            <a:pPr lvl="0"/>
+            <a:r>
+              <a:rPr lang="en-US" dirty="0" smtClean="0"/>
+              <a:t>R.</a:t>
+            </a:r>
+            <a:endParaRPr lang="en-US" dirty="0"/>
+          </a:p>
+        </p:txBody>
+      </p:sp>
     </p:spTree>
     <p:extLst/>
   </p:cSld>
@@ -2478,9 +3146,9 @@
   <p:sldLayoutIdLst>
     <p:sldLayoutId id="2147483651" r:id="rId1"/>
     <p:sldLayoutId id="2147483650" r:id="rId2"/>
-    <p:sldLayoutId id="2147483653" r:id="rId3"/>
-    <p:sldLayoutId id="2147483652" r:id="rId4"/>
-    <p:sldLayoutId id="2147483654" r:id="rId5"/>
+    <p:sldLayoutId id="2147483655" r:id="rId3"/>
+    <p:sldLayoutId id="2147483656" r:id="rId4"/>
+    <p:sldLayoutId id="2147483657" r:id="rId5"/>
   </p:sldLayoutIdLst>
   <p:transition spd="med"/>
   <p:timing>

--- a/Hacedor ppt/plantilla python.pptx
+++ b/Hacedor ppt/plantilla python.pptx
@@ -407,7 +407,7 @@
           <a:p>
             <a:fld id="{A2F1CC36-F4A9-BC45-A389-D7D93F3A36E0}" type="datetimeFigureOut">
               <a:rPr lang="en-US" smtClean="0"/>
-              <a:t>12/6/17</a:t>
+              <a:t>12/7/17</a:t>
             </a:fld>
             <a:endParaRPr lang="en-US"/>
           </a:p>
@@ -1260,7 +1260,7 @@
         </p:nvSpPr>
         <p:spPr>
           <a:xfrm>
-            <a:off x="895739" y="6372808"/>
+            <a:off x="493200" y="6399083"/>
             <a:ext cx="3349469" cy="382005"/>
           </a:xfrm>
         </p:spPr>
@@ -1269,57 +1269,60 @@
             <a:noAutofit/>
           </a:bodyPr>
           <a:lstStyle>
-            <a:lvl1pPr>
+            <a:lvl1pPr marL="0" marR="0" indent="0" algn="l" defTabSz="457200" rtl="0" eaLnBrk="1" fontAlgn="auto" latinLnBrk="0" hangingPunct="1">
+              <a:lnSpc>
+                <a:spcPct val="100000"/>
+              </a:lnSpc>
+              <a:spcBef>
+                <a:spcPts val="700"/>
+              </a:spcBef>
+              <a:spcAft>
+                <a:spcPts val="0"/>
+              </a:spcAft>
+              <a:buClrTx/>
+              <a:buSzPct val="100000"/>
+              <a:buFont typeface="Arial"/>
+              <a:buNone/>
+              <a:tabLst/>
               <a:defRPr sz="2500" baseline="0">
                 <a:latin typeface="+mj-lt"/>
               </a:defRPr>
             </a:lvl1pPr>
           </a:lstStyle>
           <a:p>
-            <a:pPr lvl="0"/>
+            <a:pPr marL="0" marR="0" lvl="0" indent="0" algn="l" defTabSz="457200" rtl="0" eaLnBrk="1" fontAlgn="auto" latinLnBrk="0" hangingPunct="1">
+              <a:lnSpc>
+                <a:spcPct val="100000"/>
+              </a:lnSpc>
+              <a:spcBef>
+                <a:spcPts val="700"/>
+              </a:spcBef>
+              <a:spcAft>
+                <a:spcPts val="0"/>
+              </a:spcAft>
+              <a:buClrTx/>
+              <a:buSzPct val="100000"/>
+              <a:buFont typeface="Arial"/>
+              <a:buNone/>
+              <a:tabLst/>
+              <a:defRPr/>
+            </a:pPr>
             <a:r>
               <a:rPr lang="en-US" dirty="0" err="1" smtClean="0"/>
-              <a:t>Dialogo</a:t>
+              <a:t>Poner</a:t>
             </a:r>
-            <a:endParaRPr lang="en-US" dirty="0"/>
+            <a:r>
+              <a:rPr lang="en-US" dirty="0" smtClean="0"/>
+              <a:t> solo al final de la </a:t>
+            </a:r>
+            <a:r>
+              <a:rPr lang="en-US" dirty="0" err="1" smtClean="0"/>
+              <a:t>lectura</a:t>
+            </a:r>
+            <a:endParaRPr lang="en-US" dirty="0" smtClean="0"/>
           </a:p>
-        </p:txBody>
-      </p:sp>
-      <p:sp>
-        <p:nvSpPr>
-          <p:cNvPr id="13" name="Text Placeholder 12"/>
-          <p:cNvSpPr>
-            <a:spLocks noGrp="1"/>
-          </p:cNvSpPr>
-          <p:nvPr>
-            <p:ph type="body" sz="quarter" idx="15" hasCustomPrompt="1"/>
-          </p:nvPr>
-        </p:nvSpPr>
-        <p:spPr>
-          <a:xfrm>
-            <a:off x="493712" y="6372225"/>
-            <a:ext cx="402027" cy="382588"/>
-          </a:xfrm>
-        </p:spPr>
-        <p:txBody>
-          <a:bodyPr rIns="0">
-            <a:noAutofit/>
-          </a:bodyPr>
-          <a:lstStyle>
-            <a:lvl1pPr>
-              <a:defRPr sz="2400" b="1">
-                <a:latin typeface="+mj-lt"/>
-                <a:ea typeface="Helvetica" charset="0"/>
-                <a:cs typeface="Helvetica" charset="0"/>
-              </a:defRPr>
-            </a:lvl1pPr>
-          </a:lstStyle>
           <a:p>
             <a:pPr lvl="0"/>
-            <a:r>
-              <a:rPr lang="en-US" dirty="0" smtClean="0"/>
-              <a:t>R.</a:t>
-            </a:r>
             <a:endParaRPr lang="en-US" dirty="0"/>
           </a:p>
         </p:txBody>
@@ -1355,7 +1358,15 @@
             <a:pPr lvl="0"/>
             <a:r>
               <a:rPr lang="en-US" dirty="0" err="1" smtClean="0"/>
-              <a:t>Dialogo</a:t>
+              <a:t>Poner</a:t>
+            </a:r>
+            <a:r>
+              <a:rPr lang="en-US" dirty="0" smtClean="0"/>
+              <a:t> solo al final de la </a:t>
+            </a:r>
+            <a:r>
+              <a:rPr lang="en-US" dirty="0" err="1" smtClean="0"/>
+              <a:t>lectura</a:t>
             </a:r>
             <a:endParaRPr lang="en-US" dirty="0"/>
           </a:p>
@@ -1776,158 +1787,6 @@
               <a:cs typeface="Helvetica" charset="0"/>
               <a:sym typeface="Calibri"/>
             </a:endParaRPr>
-          </a:p>
-        </p:txBody>
-      </p:sp>
-      <p:sp>
-        <p:nvSpPr>
-          <p:cNvPr id="5" name="Text Placeholder 4"/>
-          <p:cNvSpPr>
-            <a:spLocks noGrp="1"/>
-          </p:cNvSpPr>
-          <p:nvPr>
-            <p:ph type="body" sz="quarter" idx="13" hasCustomPrompt="1"/>
-          </p:nvPr>
-        </p:nvSpPr>
-        <p:spPr>
-          <a:xfrm>
-            <a:off x="895739" y="6372808"/>
-            <a:ext cx="3349469" cy="382005"/>
-          </a:xfrm>
-        </p:spPr>
-        <p:txBody>
-          <a:bodyPr tIns="36000" bIns="57600" anchor="t" anchorCtr="0">
-            <a:noAutofit/>
-          </a:bodyPr>
-          <a:lstStyle>
-            <a:lvl1pPr>
-              <a:defRPr sz="2500" baseline="0">
-                <a:latin typeface="+mj-lt"/>
-              </a:defRPr>
-            </a:lvl1pPr>
-          </a:lstStyle>
-          <a:p>
-            <a:pPr lvl="0"/>
-            <a:r>
-              <a:rPr lang="en-US" dirty="0" err="1" smtClean="0"/>
-              <a:t>Dialogo</a:t>
-            </a:r>
-            <a:endParaRPr lang="en-US" dirty="0"/>
-          </a:p>
-        </p:txBody>
-      </p:sp>
-      <p:sp>
-        <p:nvSpPr>
-          <p:cNvPr id="13" name="Text Placeholder 12"/>
-          <p:cNvSpPr>
-            <a:spLocks noGrp="1"/>
-          </p:cNvSpPr>
-          <p:nvPr>
-            <p:ph type="body" sz="quarter" idx="15" hasCustomPrompt="1"/>
-          </p:nvPr>
-        </p:nvSpPr>
-        <p:spPr>
-          <a:xfrm>
-            <a:off x="493712" y="6372225"/>
-            <a:ext cx="402027" cy="382588"/>
-          </a:xfrm>
-        </p:spPr>
-        <p:txBody>
-          <a:bodyPr rIns="0">
-            <a:noAutofit/>
-          </a:bodyPr>
-          <a:lstStyle>
-            <a:lvl1pPr>
-              <a:defRPr sz="2400" b="1">
-                <a:latin typeface="+mj-lt"/>
-                <a:ea typeface="Helvetica" charset="0"/>
-                <a:cs typeface="Helvetica" charset="0"/>
-              </a:defRPr>
-            </a:lvl1pPr>
-          </a:lstStyle>
-          <a:p>
-            <a:pPr lvl="0"/>
-            <a:r>
-              <a:rPr lang="en-US" dirty="0" smtClean="0"/>
-              <a:t>R.</a:t>
-            </a:r>
-            <a:endParaRPr lang="en-US" dirty="0"/>
-          </a:p>
-        </p:txBody>
-      </p:sp>
-      <p:sp>
-        <p:nvSpPr>
-          <p:cNvPr id="15" name="Text Placeholder 4"/>
-          <p:cNvSpPr>
-            <a:spLocks noGrp="1"/>
-          </p:cNvSpPr>
-          <p:nvPr>
-            <p:ph type="body" sz="quarter" idx="16" hasCustomPrompt="1"/>
-          </p:nvPr>
-        </p:nvSpPr>
-        <p:spPr>
-          <a:xfrm>
-            <a:off x="5682343" y="6399084"/>
-            <a:ext cx="2867069" cy="382005"/>
-          </a:xfrm>
-        </p:spPr>
-        <p:txBody>
-          <a:bodyPr lIns="0" tIns="36000" bIns="57600" anchor="t" anchorCtr="0">
-            <a:noAutofit/>
-          </a:bodyPr>
-          <a:lstStyle>
-            <a:lvl1pPr algn="r">
-              <a:defRPr sz="2500" baseline="0">
-                <a:latin typeface="+mj-lt"/>
-              </a:defRPr>
-            </a:lvl1pPr>
-          </a:lstStyle>
-          <a:p>
-            <a:pPr lvl="0"/>
-            <a:r>
-              <a:rPr lang="en-US" dirty="0" err="1" smtClean="0"/>
-              <a:t>Dialogo</a:t>
-            </a:r>
-            <a:endParaRPr lang="en-US" dirty="0"/>
-          </a:p>
-        </p:txBody>
-      </p:sp>
-      <p:sp>
-        <p:nvSpPr>
-          <p:cNvPr id="16" name="Text Placeholder 12"/>
-          <p:cNvSpPr>
-            <a:spLocks noGrp="1"/>
-          </p:cNvSpPr>
-          <p:nvPr>
-            <p:ph type="body" sz="quarter" idx="17" hasCustomPrompt="1"/>
-          </p:nvPr>
-        </p:nvSpPr>
-        <p:spPr>
-          <a:xfrm>
-            <a:off x="5280316" y="6399084"/>
-            <a:ext cx="402027" cy="382588"/>
-          </a:xfrm>
-        </p:spPr>
-        <p:txBody>
-          <a:bodyPr rIns="0">
-            <a:noAutofit/>
-          </a:bodyPr>
-          <a:lstStyle>
-            <a:lvl1pPr>
-              <a:defRPr sz="2400" b="1">
-                <a:latin typeface="+mj-lt"/>
-                <a:ea typeface="Helvetica" charset="0"/>
-                <a:cs typeface="Helvetica" charset="0"/>
-              </a:defRPr>
-            </a:lvl1pPr>
-          </a:lstStyle>
-          <a:p>
-            <a:pPr lvl="0"/>
-            <a:r>
-              <a:rPr lang="en-US" dirty="0" smtClean="0"/>
-              <a:t>R.</a:t>
-            </a:r>
-            <a:endParaRPr lang="en-US" dirty="0"/>
           </a:p>
         </p:txBody>
       </p:sp>
@@ -2369,7 +2228,7 @@
         </p:nvSpPr>
         <p:spPr>
           <a:xfrm>
-            <a:off x="895739" y="6372808"/>
+            <a:off x="493200" y="6399083"/>
             <a:ext cx="3349469" cy="382005"/>
           </a:xfrm>
         </p:spPr>
@@ -2378,57 +2237,67 @@
             <a:noAutofit/>
           </a:bodyPr>
           <a:lstStyle>
-            <a:lvl1pPr>
+            <a:lvl1pPr marL="0" marR="0" indent="0" algn="l" defTabSz="457200" rtl="0" eaLnBrk="1" fontAlgn="auto" latinLnBrk="0" hangingPunct="1">
+              <a:lnSpc>
+                <a:spcPct val="100000"/>
+              </a:lnSpc>
+              <a:spcBef>
+                <a:spcPts val="700"/>
+              </a:spcBef>
+              <a:spcAft>
+                <a:spcPts val="0"/>
+              </a:spcAft>
+              <a:buClrTx/>
+              <a:buSzPct val="100000"/>
+              <a:buFont typeface="Arial"/>
+              <a:buNone/>
+              <a:tabLst/>
               <a:defRPr sz="2500" baseline="0">
                 <a:latin typeface="+mj-lt"/>
               </a:defRPr>
             </a:lvl1pPr>
           </a:lstStyle>
           <a:p>
-            <a:pPr lvl="0"/>
+            <a:pPr marL="0" marR="0" lvl="0" indent="0" algn="l" defTabSz="457200" rtl="0" eaLnBrk="1" fontAlgn="auto" latinLnBrk="0" hangingPunct="1">
+              <a:lnSpc>
+                <a:spcPct val="100000"/>
+              </a:lnSpc>
+              <a:spcBef>
+                <a:spcPts val="700"/>
+              </a:spcBef>
+              <a:spcAft>
+                <a:spcPts val="0"/>
+              </a:spcAft>
+              <a:buClrTx/>
+              <a:buSzPct val="100000"/>
+              <a:buFont typeface="Arial"/>
+              <a:buNone/>
+              <a:tabLst/>
+              <a:defRPr/>
+            </a:pPr>
+            <a:r>
+              <a:rPr lang="en-US" dirty="0" smtClean="0"/>
+              <a:t>(</a:t>
+            </a:r>
             <a:r>
               <a:rPr lang="en-US" dirty="0" err="1" smtClean="0"/>
-              <a:t>Dialogo</a:t>
+              <a:t>Poner</a:t>
             </a:r>
-            <a:endParaRPr lang="en-US" dirty="0"/>
+            <a:r>
+              <a:rPr lang="en-US" dirty="0" smtClean="0"/>
+              <a:t> solo al final de la </a:t>
+            </a:r>
+            <a:r>
+              <a:rPr lang="en-US" dirty="0" err="1" smtClean="0"/>
+              <a:t>lectura</a:t>
+            </a:r>
+            <a:r>
+              <a:rPr lang="en-US" dirty="0" smtClean="0"/>
+              <a:t>)</a:t>
+            </a:r>
           </a:p>
-        </p:txBody>
-      </p:sp>
-      <p:sp>
-        <p:nvSpPr>
-          <p:cNvPr id="13" name="Text Placeholder 12"/>
-          <p:cNvSpPr>
-            <a:spLocks noGrp="1"/>
-          </p:cNvSpPr>
-          <p:nvPr>
-            <p:ph type="body" sz="quarter" idx="15" hasCustomPrompt="1"/>
-          </p:nvPr>
-        </p:nvSpPr>
-        <p:spPr>
-          <a:xfrm>
-            <a:off x="493712" y="6372225"/>
-            <a:ext cx="402027" cy="382588"/>
-          </a:xfrm>
-        </p:spPr>
-        <p:txBody>
-          <a:bodyPr rIns="0">
-            <a:noAutofit/>
-          </a:bodyPr>
-          <a:lstStyle>
-            <a:lvl1pPr>
-              <a:defRPr sz="2400" b="1">
-                <a:latin typeface="+mj-lt"/>
-                <a:ea typeface="Helvetica" charset="0"/>
-                <a:cs typeface="Helvetica" charset="0"/>
-              </a:defRPr>
-            </a:lvl1pPr>
-          </a:lstStyle>
           <a:p>
             <a:pPr lvl="0"/>
-            <a:r>
-              <a:rPr lang="en-US" dirty="0" smtClean="0"/>
-              <a:t>R.</a:t>
-            </a:r>
             <a:endParaRPr lang="en-US" dirty="0"/>
           </a:p>
         </p:txBody>
@@ -2463,8 +2332,24 @@
           <a:p>
             <a:pPr lvl="0"/>
             <a:r>
+              <a:rPr lang="en-US" dirty="0" smtClean="0"/>
+              <a:t>(</a:t>
+            </a:r>
+            <a:r>
               <a:rPr lang="en-US" dirty="0" err="1" smtClean="0"/>
-              <a:t>Dialogo</a:t>
+              <a:t>Poner</a:t>
+            </a:r>
+            <a:r>
+              <a:rPr lang="en-US" dirty="0" smtClean="0"/>
+              <a:t> solo al final de la </a:t>
+            </a:r>
+            <a:r>
+              <a:rPr lang="en-US" dirty="0" err="1" smtClean="0"/>
+              <a:t>lectura</a:t>
+            </a:r>
+            <a:r>
+              <a:rPr lang="en-US" dirty="0" smtClean="0"/>
+              <a:t>)</a:t>
             </a:r>
             <a:endParaRPr lang="en-US" dirty="0"/>
           </a:p>
@@ -2896,7 +2781,7 @@
         </p:nvSpPr>
         <p:spPr>
           <a:xfrm>
-            <a:off x="895739" y="6372808"/>
+            <a:off x="493200" y="6399084"/>
             <a:ext cx="3349469" cy="382005"/>
           </a:xfrm>
         </p:spPr>
@@ -2915,46 +2800,15 @@
             <a:pPr lvl="0"/>
             <a:r>
               <a:rPr lang="en-US" dirty="0" err="1" smtClean="0"/>
-              <a:t>Dialogo</a:t>
+              <a:t>Poner</a:t>
             </a:r>
-            <a:endParaRPr lang="en-US" dirty="0"/>
-          </a:p>
-        </p:txBody>
-      </p:sp>
-      <p:sp>
-        <p:nvSpPr>
-          <p:cNvPr id="13" name="Text Placeholder 12"/>
-          <p:cNvSpPr>
-            <a:spLocks noGrp="1"/>
-          </p:cNvSpPr>
-          <p:nvPr>
-            <p:ph type="body" sz="quarter" idx="15" hasCustomPrompt="1"/>
-          </p:nvPr>
-        </p:nvSpPr>
-        <p:spPr>
-          <a:xfrm>
-            <a:off x="493712" y="6372225"/>
-            <a:ext cx="402027" cy="382588"/>
-          </a:xfrm>
-        </p:spPr>
-        <p:txBody>
-          <a:bodyPr rIns="0">
-            <a:noAutofit/>
-          </a:bodyPr>
-          <a:lstStyle>
-            <a:lvl1pPr>
-              <a:defRPr sz="2400" b="1">
-                <a:latin typeface="+mj-lt"/>
-                <a:ea typeface="Helvetica" charset="0"/>
-                <a:cs typeface="Helvetica" charset="0"/>
-              </a:defRPr>
-            </a:lvl1pPr>
-          </a:lstStyle>
-          <a:p>
-            <a:pPr lvl="0"/>
             <a:r>
               <a:rPr lang="en-US" dirty="0" smtClean="0"/>
-              <a:t>R.</a:t>
+              <a:t> solo al final de la </a:t>
+            </a:r>
+            <a:r>
+              <a:rPr lang="en-US" dirty="0" err="1" smtClean="0"/>
+              <a:t>lectura</a:t>
             </a:r>
             <a:endParaRPr lang="en-US" dirty="0"/>
           </a:p>
@@ -2972,8 +2826,8 @@
         </p:nvSpPr>
         <p:spPr>
           <a:xfrm>
-            <a:off x="5682343" y="6399084"/>
-            <a:ext cx="2867069" cy="382005"/>
+            <a:off x="5060430" y="6399084"/>
+            <a:ext cx="3488983" cy="382005"/>
           </a:xfrm>
         </p:spPr>
         <p:txBody>
@@ -2981,17 +2835,67 @@
             <a:noAutofit/>
           </a:bodyPr>
           <a:lstStyle>
-            <a:lvl1pPr algn="r">
+            <a:lvl1pPr marL="0" marR="0" indent="0" algn="r" defTabSz="457200" rtl="0" eaLnBrk="1" fontAlgn="auto" latinLnBrk="0" hangingPunct="1">
+              <a:lnSpc>
+                <a:spcPct val="100000"/>
+              </a:lnSpc>
+              <a:spcBef>
+                <a:spcPts val="700"/>
+              </a:spcBef>
+              <a:spcAft>
+                <a:spcPts val="0"/>
+              </a:spcAft>
+              <a:buClrTx/>
+              <a:buSzPct val="100000"/>
+              <a:buFont typeface="Arial"/>
+              <a:buNone/>
+              <a:tabLst/>
               <a:defRPr sz="2500" baseline="0">
                 <a:latin typeface="+mj-lt"/>
               </a:defRPr>
             </a:lvl1pPr>
           </a:lstStyle>
           <a:p>
-            <a:pPr lvl="0"/>
+            <a:pPr marL="0" marR="0" lvl="0" indent="0" algn="r" defTabSz="457200" rtl="0" eaLnBrk="1" fontAlgn="auto" latinLnBrk="0" hangingPunct="1">
+              <a:lnSpc>
+                <a:spcPct val="100000"/>
+              </a:lnSpc>
+              <a:spcBef>
+                <a:spcPts val="700"/>
+              </a:spcBef>
+              <a:spcAft>
+                <a:spcPts val="0"/>
+              </a:spcAft>
+              <a:buClrTx/>
+              <a:buSzPct val="100000"/>
+              <a:buFont typeface="Arial"/>
+              <a:buNone/>
+              <a:tabLst/>
+              <a:defRPr/>
+            </a:pPr>
+            <a:r>
+              <a:rPr lang="en-US" dirty="0" smtClean="0"/>
+              <a:t>Gloria a </a:t>
+            </a:r>
             <a:r>
               <a:rPr lang="en-US" dirty="0" err="1" smtClean="0"/>
-              <a:t>Dialogo</a:t>
+              <a:t>tí</a:t>
+            </a:r>
+            <a:r>
+              <a:rPr lang="en-US" dirty="0" smtClean="0"/>
+              <a:t>, </a:t>
+            </a:r>
+            <a:r>
+              <a:rPr lang="en-US" dirty="0" err="1" smtClean="0"/>
+              <a:t>Señor</a:t>
+            </a:r>
+            <a:r>
+              <a:rPr lang="en-US" dirty="0" smtClean="0"/>
+              <a:t> </a:t>
+            </a:r>
+            <a:r>
+              <a:rPr lang="en-US" dirty="0" err="1" smtClean="0"/>
+              <a:t>Jesús</a:t>
             </a:r>
             <a:endParaRPr lang="en-US" dirty="0"/>
           </a:p>
@@ -3009,7 +2913,7 @@
         </p:nvSpPr>
         <p:spPr>
           <a:xfrm>
-            <a:off x="5280316" y="6399084"/>
+            <a:off x="4658403" y="6399084"/>
             <a:ext cx="402027" cy="382588"/>
           </a:xfrm>
         </p:spPr>
